--- a/litreview.pptx
+++ b/litreview.pptx
@@ -6,11 +6,12 @@
   </p:sldMasterIdLst>
   <p:sldIdLst>
     <p:sldId id="256" r:id="rId2"/>
-    <p:sldId id="258" r:id="rId3"/>
-    <p:sldId id="257" r:id="rId4"/>
-    <p:sldId id="259" r:id="rId5"/>
-    <p:sldId id="261" r:id="rId6"/>
-    <p:sldId id="262" r:id="rId7"/>
+    <p:sldId id="263" r:id="rId3"/>
+    <p:sldId id="264" r:id="rId4"/>
+    <p:sldId id="257" r:id="rId5"/>
+    <p:sldId id="259" r:id="rId6"/>
+    <p:sldId id="261" r:id="rId7"/>
+    <p:sldId id="262" r:id="rId8"/>
   </p:sldIdLst>
   <p:sldSz cx="9144000" cy="6858000" type="screen4x3"/>
   <p:notesSz cx="6858000" cy="9144000"/>
@@ -3155,42 +3156,81 @@
           <a:chExt cx="0" cy="0"/>
         </a:xfrm>
       </p:grpSpPr>
-      <p:sp>
-        <p:nvSpPr>
-          <p:cNvPr id="2" name="Title 1"/>
-          <p:cNvSpPr>
-            <a:spLocks noGrp="1"/>
-          </p:cNvSpPr>
-          <p:nvPr>
-            <p:ph type="title"/>
-          </p:nvPr>
-        </p:nvSpPr>
-        <p:spPr/>
-        <p:txBody>
-          <a:bodyPr>
-            <a:normAutofit fontScale="90000"/>
-          </a:bodyPr>
-          <a:lstStyle/>
-          <a:p>
-            <a:r>
-              <a:rPr lang="en-US" dirty="0" smtClean="0"/>
-              <a:t>Schematic of the environmental control of </a:t>
-            </a:r>
-            <a:r>
-              <a:rPr lang="en-US" dirty="0" err="1" smtClean="0"/>
-              <a:t>lytic/lysogenic</a:t>
-            </a:r>
-            <a:r>
-              <a:rPr lang="en-US" dirty="0" smtClean="0"/>
-              <a:t> decision in a temperate marine phage (TP)</a:t>
-            </a:r>
-            <a:endParaRPr lang="en-US" dirty="0"/>
-          </a:p>
-        </p:txBody>
-      </p:sp>
       <p:pic>
         <p:nvPicPr>
-          <p:cNvPr id="6146" name="Picture 2"/>
+          <p:cNvPr id="5" name="Picture 4" descr="plan.png"/>
+          <p:cNvPicPr>
+            <a:picLocks noChangeAspect="1"/>
+          </p:cNvPicPr>
+          <p:nvPr/>
+        </p:nvPicPr>
+        <p:blipFill>
+          <a:blip r:embed="rId2"/>
+          <a:stretch>
+            <a:fillRect/>
+          </a:stretch>
+        </p:blipFill>
+        <p:spPr>
+          <a:xfrm>
+            <a:off x="914400" y="228600"/>
+            <a:ext cx="7480300" cy="6438900"/>
+          </a:xfrm>
+          <a:prstGeom prst="rect">
+            <a:avLst/>
+          </a:prstGeom>
+        </p:spPr>
+      </p:pic>
+    </p:spTree>
+  </p:cSld>
+  <p:clrMapOvr>
+    <a:masterClrMapping/>
+  </p:clrMapOvr>
+</p:sld>
+</file>
+
+<file path=ppt/slides/slide3.xml><?xml version="1.0" encoding="utf-8"?>
+<p:sld xmlns:a="http://schemas.openxmlformats.org/drawingml/2006/main" xmlns:r="http://schemas.openxmlformats.org/officeDocument/2006/relationships" xmlns:mc="http://schemas.openxmlformats.org/markup-compatibility/2006" xmlns:mv="urn:schemas-microsoft-com:mac:vml" xmlns:p="http://schemas.openxmlformats.org/presentationml/2006/main" mc:Ignorable="mv" mc:PreserveAttributes="mv:*">
+  <p:cSld>
+    <p:spTree>
+      <p:nvGrpSpPr>
+        <p:cNvPr id="1" name=""/>
+        <p:cNvGrpSpPr/>
+        <p:nvPr/>
+      </p:nvGrpSpPr>
+      <p:grpSpPr>
+        <a:xfrm>
+          <a:off x="0" y="0"/>
+          <a:ext cx="0" cy="0"/>
+          <a:chOff x="0" y="0"/>
+          <a:chExt cx="0" cy="0"/>
+        </a:xfrm>
+      </p:grpSpPr>
+      <p:sp>
+        <p:nvSpPr>
+          <p:cNvPr id="2" name="Title 1"/>
+          <p:cNvSpPr>
+            <a:spLocks noGrp="1"/>
+          </p:cNvSpPr>
+          <p:nvPr>
+            <p:ph type="title"/>
+          </p:nvPr>
+        </p:nvSpPr>
+        <p:spPr/>
+        <p:txBody>
+          <a:bodyPr/>
+          <a:lstStyle/>
+          <a:p>
+            <a:r>
+              <a:rPr lang="en-US" dirty="0" smtClean="0"/>
+              <a:t>Tara Oceans</a:t>
+            </a:r>
+            <a:endParaRPr lang="en-US" dirty="0"/>
+          </a:p>
+        </p:txBody>
+      </p:sp>
+      <p:pic>
+        <p:nvPicPr>
+          <p:cNvPr id="21506" name="Picture 2"/>
           <p:cNvPicPr>
             <a:picLocks noChangeAspect="1" noChangeArrowheads="1"/>
           </p:cNvPicPr>
@@ -3205,8 +3245,8 @@
         </p:blipFill>
         <p:spPr bwMode="auto">
           <a:xfrm>
-            <a:off x="1066800" y="1828800"/>
-            <a:ext cx="6705600" cy="4758382"/>
+            <a:off x="457200" y="1417638"/>
+            <a:ext cx="4006770" cy="5105400"/>
           </a:xfrm>
           <a:prstGeom prst="rect">
             <a:avLst/>
@@ -3221,6 +3261,86 @@
           <a:effectLst/>
         </p:spPr>
       </p:pic>
+      <p:sp>
+        <p:nvSpPr>
+          <p:cNvPr id="5" name="TextBox 4"/>
+          <p:cNvSpPr txBox="1"/>
+          <p:nvPr/>
+        </p:nvSpPr>
+        <p:spPr>
+          <a:xfrm>
+            <a:off x="4876800" y="1981200"/>
+            <a:ext cx="3048000" cy="1754327"/>
+          </a:xfrm>
+          <a:prstGeom prst="rect">
+            <a:avLst/>
+          </a:prstGeom>
+          <a:noFill/>
+        </p:spPr>
+        <p:txBody>
+          <a:bodyPr wrap="square" rtlCol="0">
+            <a:spAutoFit/>
+          </a:bodyPr>
+          <a:lstStyle/>
+          <a:p>
+            <a:pPr>
+              <a:buFont typeface="Arial"/>
+              <a:buChar char="•"/>
+            </a:pPr>
+            <a:r>
+              <a:rPr lang="en-US" dirty="0" smtClean="0"/>
+              <a:t> 12 years</a:t>
+            </a:r>
+          </a:p>
+          <a:p>
+            <a:pPr>
+              <a:buFont typeface="Arial"/>
+              <a:buChar char="•"/>
+            </a:pPr>
+            <a:r>
+              <a:rPr lang="en-US" dirty="0" smtClean="0"/>
+              <a:t> 300K km</a:t>
+            </a:r>
+          </a:p>
+          <a:p>
+            <a:pPr>
+              <a:buFont typeface="Arial"/>
+              <a:buChar char="•"/>
+            </a:pPr>
+            <a:r>
+              <a:rPr lang="en-US" dirty="0" smtClean="0"/>
+              <a:t> 10 expeditions</a:t>
+            </a:r>
+          </a:p>
+          <a:p>
+            <a:pPr>
+              <a:buFont typeface="Arial"/>
+              <a:buChar char="•"/>
+            </a:pPr>
+            <a:r>
+              <a:rPr lang="en-US" dirty="0" smtClean="0"/>
+              <a:t> 28 publications</a:t>
+            </a:r>
+          </a:p>
+          <a:p>
+            <a:pPr>
+              <a:buFont typeface="Arial"/>
+              <a:buChar char="•"/>
+            </a:pPr>
+            <a:r>
+              <a:rPr lang="en-US" dirty="0" smtClean="0"/>
+              <a:t> 100TB of data</a:t>
+            </a:r>
+          </a:p>
+          <a:p>
+            <a:pPr>
+              <a:buFont typeface="Arial"/>
+              <a:buChar char="•"/>
+            </a:pPr>
+            <a:endParaRPr lang="en-US" dirty="0"/>
+          </a:p>
+        </p:txBody>
+      </p:sp>
     </p:spTree>
   </p:cSld>
   <p:clrMapOvr>
@@ -3229,7 +3349,7 @@
 </p:sld>
 </file>
 
-<file path=ppt/slides/slide3.xml><?xml version="1.0" encoding="utf-8"?>
+<file path=ppt/slides/slide4.xml><?xml version="1.0" encoding="utf-8"?>
 <p:sld xmlns:a="http://schemas.openxmlformats.org/drawingml/2006/main" xmlns:r="http://schemas.openxmlformats.org/officeDocument/2006/relationships" xmlns:mc="http://schemas.openxmlformats.org/markup-compatibility/2006" xmlns:mv="urn:schemas-microsoft-com:mac:vml" xmlns:p="http://schemas.openxmlformats.org/presentationml/2006/main" mc:Ignorable="mv" mc:PreserveAttributes="mv:*">
   <p:cSld>
     <p:spTree>
@@ -3318,7 +3438,7 @@
 </p:sld>
 </file>
 
-<file path=ppt/slides/slide4.xml><?xml version="1.0" encoding="utf-8"?>
+<file path=ppt/slides/slide5.xml><?xml version="1.0" encoding="utf-8"?>
 <p:sld xmlns:a="http://schemas.openxmlformats.org/drawingml/2006/main" xmlns:r="http://schemas.openxmlformats.org/officeDocument/2006/relationships" xmlns:mc="http://schemas.openxmlformats.org/markup-compatibility/2006" xmlns:mv="urn:schemas-microsoft-com:mac:vml" xmlns:p="http://schemas.openxmlformats.org/presentationml/2006/main" mc:Ignorable="mv" mc:PreserveAttributes="mv:*">
   <p:cSld>
     <p:spTree>
@@ -3430,7 +3550,7 @@
 </p:sld>
 </file>
 
-<file path=ppt/slides/slide5.xml><?xml version="1.0" encoding="utf-8"?>
+<file path=ppt/slides/slide6.xml><?xml version="1.0" encoding="utf-8"?>
 <p:sld xmlns:a="http://schemas.openxmlformats.org/drawingml/2006/main" xmlns:r="http://schemas.openxmlformats.org/officeDocument/2006/relationships" xmlns:mc="http://schemas.openxmlformats.org/markup-compatibility/2006" xmlns:mv="urn:schemas-microsoft-com:mac:vml" xmlns:p="http://schemas.openxmlformats.org/presentationml/2006/main" mc:Ignorable="mv" mc:PreserveAttributes="mv:*">
   <p:cSld>
     <p:spTree>
@@ -3584,7 +3704,7 @@
 </p:sld>
 </file>
 
-<file path=ppt/slides/slide6.xml><?xml version="1.0" encoding="utf-8"?>
+<file path=ppt/slides/slide7.xml><?xml version="1.0" encoding="utf-8"?>
 <p:sld xmlns:a="http://schemas.openxmlformats.org/drawingml/2006/main" xmlns:r="http://schemas.openxmlformats.org/officeDocument/2006/relationships" xmlns:mc="http://schemas.openxmlformats.org/markup-compatibility/2006" xmlns:mv="urn:schemas-microsoft-com:mac:vml" xmlns:p="http://schemas.openxmlformats.org/presentationml/2006/main" mc:Ignorable="mv" mc:PreserveAttributes="mv:*">
   <p:cSld>
     <p:spTree>
